--- a/Relatório final e apresentação/Aprensentação_P1G12.pptx
+++ b/Relatório final e apresentação/Aprensentação_P1G12.pptx
@@ -111,6 +111,11 @@
       </a:defRPr>
     </a:lvl9pPr>
   </p:defaultTextStyle>
+  <p:extLst>
+    <p:ext uri="{EFAFB233-063F-42B5-8137-9DF3F51BA10A}">
+      <p15:sldGuideLst xmlns:p15="http://schemas.microsoft.com/office/powerpoint/2012/main"/>
+    </p:ext>
+  </p:extLst>
 </p:presentation>
 </file>
 
@@ -245,7 +250,7 @@
           <a:p>
             <a:fld id="{2C34B20C-8FD1-4776-AFD8-52B6866D87B2}" type="datetimeFigureOut">
               <a:rPr lang="pt-PT" smtClean="0"/>
-              <a:t>27/05/2015</a:t>
+              <a:t>28/05/2015</a:t>
             </a:fld>
             <a:endParaRPr lang="pt-PT"/>
           </a:p>
@@ -415,7 +420,7 @@
           <a:p>
             <a:fld id="{2C34B20C-8FD1-4776-AFD8-52B6866D87B2}" type="datetimeFigureOut">
               <a:rPr lang="pt-PT" smtClean="0"/>
-              <a:t>27/05/2015</a:t>
+              <a:t>28/05/2015</a:t>
             </a:fld>
             <a:endParaRPr lang="pt-PT"/>
           </a:p>
@@ -595,7 +600,7 @@
           <a:p>
             <a:fld id="{2C34B20C-8FD1-4776-AFD8-52B6866D87B2}" type="datetimeFigureOut">
               <a:rPr lang="pt-PT" smtClean="0"/>
-              <a:t>27/05/2015</a:t>
+              <a:t>28/05/2015</a:t>
             </a:fld>
             <a:endParaRPr lang="pt-PT"/>
           </a:p>
@@ -765,7 +770,7 @@
           <a:p>
             <a:fld id="{2C34B20C-8FD1-4776-AFD8-52B6866D87B2}" type="datetimeFigureOut">
               <a:rPr lang="pt-PT" smtClean="0"/>
-              <a:t>27/05/2015</a:t>
+              <a:t>28/05/2015</a:t>
             </a:fld>
             <a:endParaRPr lang="pt-PT"/>
           </a:p>
@@ -1011,7 +1016,7 @@
           <a:p>
             <a:fld id="{2C34B20C-8FD1-4776-AFD8-52B6866D87B2}" type="datetimeFigureOut">
               <a:rPr lang="pt-PT" smtClean="0"/>
-              <a:t>27/05/2015</a:t>
+              <a:t>28/05/2015</a:t>
             </a:fld>
             <a:endParaRPr lang="pt-PT"/>
           </a:p>
@@ -1243,7 +1248,7 @@
           <a:p>
             <a:fld id="{2C34B20C-8FD1-4776-AFD8-52B6866D87B2}" type="datetimeFigureOut">
               <a:rPr lang="pt-PT" smtClean="0"/>
-              <a:t>27/05/2015</a:t>
+              <a:t>28/05/2015</a:t>
             </a:fld>
             <a:endParaRPr lang="pt-PT"/>
           </a:p>
@@ -1610,7 +1615,7 @@
           <a:p>
             <a:fld id="{2C34B20C-8FD1-4776-AFD8-52B6866D87B2}" type="datetimeFigureOut">
               <a:rPr lang="pt-PT" smtClean="0"/>
-              <a:t>27/05/2015</a:t>
+              <a:t>28/05/2015</a:t>
             </a:fld>
             <a:endParaRPr lang="pt-PT"/>
           </a:p>
@@ -1728,7 +1733,7 @@
           <a:p>
             <a:fld id="{2C34B20C-8FD1-4776-AFD8-52B6866D87B2}" type="datetimeFigureOut">
               <a:rPr lang="pt-PT" smtClean="0"/>
-              <a:t>27/05/2015</a:t>
+              <a:t>28/05/2015</a:t>
             </a:fld>
             <a:endParaRPr lang="pt-PT"/>
           </a:p>
@@ -1823,7 +1828,7 @@
           <a:p>
             <a:fld id="{2C34B20C-8FD1-4776-AFD8-52B6866D87B2}" type="datetimeFigureOut">
               <a:rPr lang="pt-PT" smtClean="0"/>
-              <a:t>27/05/2015</a:t>
+              <a:t>28/05/2015</a:t>
             </a:fld>
             <a:endParaRPr lang="pt-PT"/>
           </a:p>
@@ -2100,7 +2105,7 @@
           <a:p>
             <a:fld id="{2C34B20C-8FD1-4776-AFD8-52B6866D87B2}" type="datetimeFigureOut">
               <a:rPr lang="pt-PT" smtClean="0"/>
-              <a:t>27/05/2015</a:t>
+              <a:t>28/05/2015</a:t>
             </a:fld>
             <a:endParaRPr lang="pt-PT"/>
           </a:p>
@@ -2353,7 +2358,7 @@
           <a:p>
             <a:fld id="{2C34B20C-8FD1-4776-AFD8-52B6866D87B2}" type="datetimeFigureOut">
               <a:rPr lang="pt-PT" smtClean="0"/>
-              <a:t>27/05/2015</a:t>
+              <a:t>28/05/2015</a:t>
             </a:fld>
             <a:endParaRPr lang="pt-PT"/>
           </a:p>
@@ -2566,7 +2571,7 @@
           <a:p>
             <a:fld id="{2C34B20C-8FD1-4776-AFD8-52B6866D87B2}" type="datetimeFigureOut">
               <a:rPr lang="pt-PT" smtClean="0"/>
-              <a:t>27/05/2015</a:t>
+              <a:t>28/05/2015</a:t>
             </a:fld>
             <a:endParaRPr lang="pt-PT"/>
           </a:p>
@@ -3179,7 +3184,11 @@
             <p:ph type="title"/>
           </p:nvPr>
         </p:nvSpPr>
-        <p:spPr/>
+        <p:spPr>
+          <a:solidFill>
+            <a:srgbClr val="5C2A08"/>
+          </a:solidFill>
+        </p:spPr>
         <p:txBody>
           <a:bodyPr/>
           <a:lstStyle/>
@@ -3202,11 +3211,19 @@
             <p:ph idx="1"/>
           </p:nvPr>
         </p:nvSpPr>
-        <p:spPr/>
-        <p:txBody>
-          <a:bodyPr/>
-          <a:lstStyle/>
-          <a:p>
+        <p:spPr>
+          <a:solidFill>
+            <a:schemeClr val="bg1"/>
+          </a:solidFill>
+        </p:spPr>
+        <p:txBody>
+          <a:bodyPr/>
+          <a:lstStyle/>
+          <a:p>
+            <a:r>
+              <a:rPr lang="pt-PT" dirty="0" smtClean="0"/>
+              <a:t>Criar um sistema que permita gerir as vendas de uma loja de discos. Cada funcionário será </a:t>
+            </a:r>
             <a:endParaRPr lang="pt-PT" dirty="0"/>
           </a:p>
         </p:txBody>

--- a/Relatório final e apresentação/Aprensentação_P1G12.pptx
+++ b/Relatório final e apresentação/Aprensentação_P1G12.pptx
@@ -9,10 +9,11 @@
     <p:sldId id="257" r:id="rId3"/>
     <p:sldId id="258" r:id="rId4"/>
     <p:sldId id="259" r:id="rId5"/>
-    <p:sldId id="260" r:id="rId6"/>
-    <p:sldId id="261" r:id="rId7"/>
-    <p:sldId id="262" r:id="rId8"/>
-    <p:sldId id="263" r:id="rId9"/>
+    <p:sldId id="264" r:id="rId6"/>
+    <p:sldId id="260" r:id="rId7"/>
+    <p:sldId id="261" r:id="rId8"/>
+    <p:sldId id="262" r:id="rId9"/>
+    <p:sldId id="263" r:id="rId10"/>
   </p:sldIdLst>
   <p:sldSz cx="12192000" cy="6858000"/>
   <p:notesSz cx="6858000" cy="9144000"/>
@@ -250,7 +251,7 @@
           <a:p>
             <a:fld id="{2C34B20C-8FD1-4776-AFD8-52B6866D87B2}" type="datetimeFigureOut">
               <a:rPr lang="pt-PT" smtClean="0"/>
-              <a:t>28/05/2015</a:t>
+              <a:t>30/05/2015</a:t>
             </a:fld>
             <a:endParaRPr lang="pt-PT"/>
           </a:p>
@@ -420,7 +421,7 @@
           <a:p>
             <a:fld id="{2C34B20C-8FD1-4776-AFD8-52B6866D87B2}" type="datetimeFigureOut">
               <a:rPr lang="pt-PT" smtClean="0"/>
-              <a:t>28/05/2015</a:t>
+              <a:t>30/05/2015</a:t>
             </a:fld>
             <a:endParaRPr lang="pt-PT"/>
           </a:p>
@@ -600,7 +601,7 @@
           <a:p>
             <a:fld id="{2C34B20C-8FD1-4776-AFD8-52B6866D87B2}" type="datetimeFigureOut">
               <a:rPr lang="pt-PT" smtClean="0"/>
-              <a:t>28/05/2015</a:t>
+              <a:t>30/05/2015</a:t>
             </a:fld>
             <a:endParaRPr lang="pt-PT"/>
           </a:p>
@@ -770,7 +771,7 @@
           <a:p>
             <a:fld id="{2C34B20C-8FD1-4776-AFD8-52B6866D87B2}" type="datetimeFigureOut">
               <a:rPr lang="pt-PT" smtClean="0"/>
-              <a:t>28/05/2015</a:t>
+              <a:t>30/05/2015</a:t>
             </a:fld>
             <a:endParaRPr lang="pt-PT"/>
           </a:p>
@@ -1016,7 +1017,7 @@
           <a:p>
             <a:fld id="{2C34B20C-8FD1-4776-AFD8-52B6866D87B2}" type="datetimeFigureOut">
               <a:rPr lang="pt-PT" smtClean="0"/>
-              <a:t>28/05/2015</a:t>
+              <a:t>30/05/2015</a:t>
             </a:fld>
             <a:endParaRPr lang="pt-PT"/>
           </a:p>
@@ -1248,7 +1249,7 @@
           <a:p>
             <a:fld id="{2C34B20C-8FD1-4776-AFD8-52B6866D87B2}" type="datetimeFigureOut">
               <a:rPr lang="pt-PT" smtClean="0"/>
-              <a:t>28/05/2015</a:t>
+              <a:t>30/05/2015</a:t>
             </a:fld>
             <a:endParaRPr lang="pt-PT"/>
           </a:p>
@@ -1615,7 +1616,7 @@
           <a:p>
             <a:fld id="{2C34B20C-8FD1-4776-AFD8-52B6866D87B2}" type="datetimeFigureOut">
               <a:rPr lang="pt-PT" smtClean="0"/>
-              <a:t>28/05/2015</a:t>
+              <a:t>30/05/2015</a:t>
             </a:fld>
             <a:endParaRPr lang="pt-PT"/>
           </a:p>
@@ -1733,7 +1734,7 @@
           <a:p>
             <a:fld id="{2C34B20C-8FD1-4776-AFD8-52B6866D87B2}" type="datetimeFigureOut">
               <a:rPr lang="pt-PT" smtClean="0"/>
-              <a:t>28/05/2015</a:t>
+              <a:t>30/05/2015</a:t>
             </a:fld>
             <a:endParaRPr lang="pt-PT"/>
           </a:p>
@@ -1828,7 +1829,7 @@
           <a:p>
             <a:fld id="{2C34B20C-8FD1-4776-AFD8-52B6866D87B2}" type="datetimeFigureOut">
               <a:rPr lang="pt-PT" smtClean="0"/>
-              <a:t>28/05/2015</a:t>
+              <a:t>30/05/2015</a:t>
             </a:fld>
             <a:endParaRPr lang="pt-PT"/>
           </a:p>
@@ -2105,7 +2106,7 @@
           <a:p>
             <a:fld id="{2C34B20C-8FD1-4776-AFD8-52B6866D87B2}" type="datetimeFigureOut">
               <a:rPr lang="pt-PT" smtClean="0"/>
-              <a:t>28/05/2015</a:t>
+              <a:t>30/05/2015</a:t>
             </a:fld>
             <a:endParaRPr lang="pt-PT"/>
           </a:p>
@@ -2358,7 +2359,7 @@
           <a:p>
             <a:fld id="{2C34B20C-8FD1-4776-AFD8-52B6866D87B2}" type="datetimeFigureOut">
               <a:rPr lang="pt-PT" smtClean="0"/>
-              <a:t>28/05/2015</a:t>
+              <a:t>30/05/2015</a:t>
             </a:fld>
             <a:endParaRPr lang="pt-PT"/>
           </a:p>
@@ -2571,7 +2572,7 @@
           <a:p>
             <a:fld id="{2C34B20C-8FD1-4776-AFD8-52B6866D87B2}" type="datetimeFigureOut">
               <a:rPr lang="pt-PT" smtClean="0"/>
-              <a:t>28/05/2015</a:t>
+              <a:t>30/05/2015</a:t>
             </a:fld>
             <a:endParaRPr lang="pt-PT"/>
           </a:p>
@@ -3040,6 +3041,13 @@
   <p:clrMapOvr>
     <a:masterClrMapping/>
   </p:clrMapOvr>
+  <p:timing>
+    <p:tnLst>
+      <p:par>
+        <p:cTn id="1" dur="indefinite" restart="never" nodeType="tmRoot"/>
+      </p:par>
+    </p:tnLst>
+  </p:timing>
 </p:sld>
 </file>
 
@@ -3101,7 +3109,11 @@
             <p:ph idx="1"/>
           </p:nvPr>
         </p:nvSpPr>
-        <p:spPr/>
+        <p:spPr>
+          <a:solidFill>
+            <a:schemeClr val="bg1"/>
+          </a:solidFill>
+        </p:spPr>
         <p:txBody>
           <a:bodyPr/>
           <a:lstStyle/>
@@ -3146,6 +3158,13 @@
   <p:clrMapOvr>
     <a:masterClrMapping/>
   </p:clrMapOvr>
+  <p:timing>
+    <p:tnLst>
+      <p:par>
+        <p:cTn id="1" dur="indefinite" restart="never" nodeType="tmRoot"/>
+      </p:par>
+    </p:tnLst>
+  </p:timing>
 </p:sld>
 </file>
 
@@ -3217,12 +3236,50 @@
           </a:solidFill>
         </p:spPr>
         <p:txBody>
-          <a:bodyPr/>
+          <a:bodyPr>
+            <a:normAutofit lnSpcReduction="10000"/>
+          </a:bodyPr>
           <a:lstStyle/>
           <a:p>
             <a:r>
               <a:rPr lang="pt-PT" dirty="0" smtClean="0"/>
-              <a:t>Criar um sistema que permita gerir as vendas de uma loja de discos. Cada funcionário será </a:t>
+              <a:t>Criar um sistema que permita gerir as vendas de uma loja de discos. </a:t>
+            </a:r>
+            <a:r>
+              <a:rPr lang="pt-PT" dirty="0" smtClean="0"/>
+              <a:t>O funcionário da loja terá que registar as vendas e a inscrição de clientes. </a:t>
+            </a:r>
+          </a:p>
+          <a:p>
+            <a:r>
+              <a:rPr lang="pt-PT" dirty="0" smtClean="0"/>
+              <a:t>Enquanto que o registo de novos discos, informações sobre vendas</a:t>
+            </a:r>
+            <a:r>
+              <a:rPr lang="pt-PT" dirty="0"/>
+              <a:t> </a:t>
+            </a:r>
+            <a:r>
+              <a:rPr lang="pt-PT" dirty="0" smtClean="0"/>
+              <a:t>e funcionários será apenas permitido à administração. </a:t>
+            </a:r>
+          </a:p>
+          <a:p>
+            <a:r>
+              <a:rPr lang="pt-PT" dirty="0" smtClean="0"/>
+              <a:t>Os funcionários terão uma comissão por um máximo de vendas que façam. </a:t>
+            </a:r>
+          </a:p>
+          <a:p>
+            <a:r>
+              <a:rPr lang="pt-PT" dirty="0" smtClean="0"/>
+              <a:t>Os clientes poderão ser Clientes Premium para usufruírem de maiores descontos, para isso terão que pagar uma mensalidade. </a:t>
+            </a:r>
+          </a:p>
+          <a:p>
+            <a:r>
+              <a:rPr lang="pt-PT" dirty="0" smtClean="0"/>
+              <a:t>Caso o disco não exista poderá ser encomendado. </a:t>
             </a:r>
             <a:endParaRPr lang="pt-PT" dirty="0"/>
           </a:p>
@@ -3236,8 +3293,15 @@
     </p:extLst>
   </p:cSld>
   <p:clrMapOvr>
-    <a:masterClrMapping/>
+    <a:overrideClrMapping bg1="lt1" tx1="dk1" bg2="lt2" tx2="dk2" accent1="accent1" accent2="accent2" accent3="accent3" accent4="accent4" accent5="accent5" accent6="accent6" hlink="hlink" folHlink="folHlink"/>
   </p:clrMapOvr>
+  <p:timing>
+    <p:tnLst>
+      <p:par>
+        <p:cTn id="1" dur="indefinite" restart="never" nodeType="tmRoot"/>
+      </p:par>
+    </p:tnLst>
+  </p:timing>
 </p:sld>
 </file>
 
@@ -3299,12 +3363,63 @@
             <p:ph idx="1"/>
           </p:nvPr>
         </p:nvSpPr>
-        <p:spPr/>
-        <p:txBody>
-          <a:bodyPr/>
-          <a:lstStyle/>
-          <a:p>
-            <a:endParaRPr lang="pt-PT"/>
+        <p:spPr>
+          <a:solidFill>
+            <a:schemeClr val="bg1"/>
+          </a:solidFill>
+        </p:spPr>
+        <p:txBody>
+          <a:bodyPr>
+            <a:normAutofit fontScale="92500" lnSpcReduction="20000"/>
+          </a:bodyPr>
+          <a:lstStyle/>
+          <a:p>
+            <a:r>
+              <a:rPr lang="pt-PT" dirty="0"/>
+              <a:t>1. Registar dados dos discos; </a:t>
+            </a:r>
+          </a:p>
+          <a:p>
+            <a:r>
+              <a:rPr lang="pt-PT" dirty="0"/>
+              <a:t>2. Registar dados dos artistas; </a:t>
+            </a:r>
+          </a:p>
+          <a:p>
+            <a:r>
+              <a:rPr lang="pt-PT" dirty="0"/>
+              <a:t>3. Registar possíveis encomendas feitas e o tipo de encomenda: ao balcão, à cobrança ou online (no caso dos clientes); ao fornecedor/editora (no caso de ser encomenda feita pela loja); </a:t>
+            </a:r>
+          </a:p>
+          <a:p>
+            <a:r>
+              <a:rPr lang="pt-PT" dirty="0"/>
+              <a:t>4. Registar clientes Premium e funcionários; </a:t>
+            </a:r>
+          </a:p>
+          <a:p>
+            <a:r>
+              <a:rPr lang="pt-PT" dirty="0"/>
+              <a:t>5. Permitir pesquisar um disco pelo nome, artista, género, ano ou promoção; </a:t>
+            </a:r>
+          </a:p>
+          <a:p>
+            <a:r>
+              <a:rPr lang="pt-PT" dirty="0"/>
+              <a:t>6. Permitir pesquisar um artista pelo nome, género ou disco; </a:t>
+            </a:r>
+          </a:p>
+          <a:p>
+            <a:r>
+              <a:rPr lang="pt-PT" dirty="0"/>
+              <a:t>7. Permitir editar as unidades dos discos; </a:t>
+            </a:r>
+          </a:p>
+          <a:p>
+            <a:r>
+              <a:rPr lang="pt-PT" dirty="0"/>
+              <a:t>8. Permitir imprimir qualquer registo; </a:t>
+            </a:r>
           </a:p>
         </p:txBody>
       </p:sp>
@@ -3318,6 +3433,13 @@
   <p:clrMapOvr>
     <a:masterClrMapping/>
   </p:clrMapOvr>
+  <p:timing>
+    <p:tnLst>
+      <p:par>
+        <p:cTn id="1" dur="indefinite" restart="never" nodeType="tmRoot"/>
+      </p:par>
+    </p:tnLst>
+  </p:timing>
 </p:sld>
 </file>
 
@@ -3363,7 +3485,7 @@
           <a:p>
             <a:r>
               <a:rPr lang="pt-PT" dirty="0" smtClean="0"/>
-              <a:t>Diagrama Entidade-Relação</a:t>
+              <a:t>Requisitos</a:t>
             </a:r>
             <a:endParaRPr lang="pt-PT" dirty="0"/>
           </a:p>
@@ -3379,25 +3501,94 @@
             <p:ph idx="1"/>
           </p:nvPr>
         </p:nvSpPr>
-        <p:spPr/>
-        <p:txBody>
-          <a:bodyPr/>
-          <a:lstStyle/>
-          <a:p>
-            <a:endParaRPr lang="pt-PT"/>
+        <p:spPr>
+          <a:solidFill>
+            <a:schemeClr val="bg1"/>
+          </a:solidFill>
+        </p:spPr>
+        <p:txBody>
+          <a:bodyPr>
+            <a:normAutofit fontScale="85000" lnSpcReduction="20000"/>
+          </a:bodyPr>
+          <a:lstStyle/>
+          <a:p>
+            <a:r>
+              <a:rPr lang="pt-PT" dirty="0" smtClean="0"/>
+              <a:t>9. Registar e atualizar as mensalidades dos clientes Premium (respetivo valor e atraso, caso exista); </a:t>
+            </a:r>
+          </a:p>
+          <a:p>
+            <a:r>
+              <a:rPr lang="pt-PT" dirty="0" smtClean="0"/>
+              <a:t>10. Os clientes Premium têm direito a mais promoções que os clientes Standard; </a:t>
+            </a:r>
+          </a:p>
+          <a:p>
+            <a:r>
+              <a:rPr lang="pt-PT" dirty="0" smtClean="0"/>
+              <a:t>11. Existirão outras promoções para os discos; </a:t>
+            </a:r>
+          </a:p>
+          <a:p>
+            <a:r>
+              <a:rPr lang="pt-PT" dirty="0" smtClean="0"/>
+              <a:t>12. Permitir efetuar um balanço de faturação baseado nas cotas dos funcionários, as unidades vendidas e os descontos aplicados aos discos; </a:t>
+            </a:r>
+          </a:p>
+          <a:p>
+            <a:r>
+              <a:rPr lang="pt-PT" dirty="0" smtClean="0"/>
+              <a:t>13. Permitir efetuar um balanço médio dos discos vendidos por funcionário, garantindo um comissão a este, por cada disco vendido; </a:t>
+            </a:r>
+          </a:p>
+          <a:p>
+            <a:r>
+              <a:rPr lang="pt-PT" dirty="0" smtClean="0"/>
+              <a:t>14. Permitir pesquisar um disco pelo tipo (cd, </a:t>
+            </a:r>
+            <a:r>
+              <a:rPr lang="pt-PT" dirty="0" err="1" smtClean="0"/>
+              <a:t>dvd</a:t>
+            </a:r>
+            <a:r>
+              <a:rPr lang="pt-PT" dirty="0" smtClean="0"/>
+              <a:t>, vinil); </a:t>
+            </a:r>
+          </a:p>
+          <a:p>
+            <a:r>
+              <a:rPr lang="pt-PT" dirty="0" smtClean="0"/>
+              <a:t>15. Permitir vários métodos de pagamento diferentes - ao balcão, via online, via transferência bancária ou à cobrança; </a:t>
+            </a:r>
+          </a:p>
+          <a:p>
+            <a:r>
+              <a:rPr lang="pt-PT" dirty="0" smtClean="0"/>
+              <a:t>16. Permitir registar as encomendas tendo em conta as suas editoras musicais;</a:t>
+            </a:r>
+          </a:p>
+          <a:p>
+            <a:endParaRPr lang="pt-PT" dirty="0"/>
           </a:p>
         </p:txBody>
       </p:sp>
     </p:spTree>
     <p:extLst>
       <p:ext uri="{BB962C8B-B14F-4D97-AF65-F5344CB8AC3E}">
-        <p14:creationId xmlns:p14="http://schemas.microsoft.com/office/powerpoint/2010/main" val="829531767"/>
+        <p14:creationId xmlns:p14="http://schemas.microsoft.com/office/powerpoint/2010/main" val="2720623554"/>
       </p:ext>
     </p:extLst>
   </p:cSld>
   <p:clrMapOvr>
     <a:masterClrMapping/>
   </p:clrMapOvr>
+  <p:timing>
+    <p:tnLst>
+      <p:par>
+        <p:cTn id="1" dur="indefinite" restart="never" nodeType="tmRoot"/>
+      </p:par>
+    </p:tnLst>
+  </p:timing>
 </p:sld>
 </file>
 
@@ -3443,7 +3634,7 @@
           <a:p>
             <a:r>
               <a:rPr lang="pt-PT" dirty="0" smtClean="0"/>
-              <a:t>Esquema Relacional</a:t>
+              <a:t>Diagrama Entidade-Relação</a:t>
             </a:r>
             <a:endParaRPr lang="pt-PT" dirty="0"/>
           </a:p>
@@ -3451,7 +3642,7 @@
       </p:sp>
       <p:sp>
         <p:nvSpPr>
-          <p:cNvPr id="3" name="Content Placeholder 2"/>
+          <p:cNvPr id="5" name="Content Placeholder 4"/>
           <p:cNvSpPr>
             <a:spLocks noGrp="1"/>
           </p:cNvSpPr>
@@ -3471,13 +3662,20 @@
     </p:spTree>
     <p:extLst>
       <p:ext uri="{BB962C8B-B14F-4D97-AF65-F5344CB8AC3E}">
-        <p14:creationId xmlns:p14="http://schemas.microsoft.com/office/powerpoint/2010/main" val="4186794623"/>
+        <p14:creationId xmlns:p14="http://schemas.microsoft.com/office/powerpoint/2010/main" val="829531767"/>
       </p:ext>
     </p:extLst>
   </p:cSld>
   <p:clrMapOvr>
     <a:masterClrMapping/>
   </p:clrMapOvr>
+  <p:timing>
+    <p:tnLst>
+      <p:par>
+        <p:cTn id="1" dur="indefinite" restart="never" nodeType="tmRoot"/>
+      </p:par>
+    </p:tnLst>
+  </p:timing>
 </p:sld>
 </file>
 
@@ -3523,7 +3721,7 @@
           <a:p>
             <a:r>
               <a:rPr lang="pt-PT" dirty="0" smtClean="0"/>
-              <a:t>Interface</a:t>
+              <a:t>Esquema Relacional</a:t>
             </a:r>
             <a:endParaRPr lang="pt-PT" dirty="0"/>
           </a:p>
@@ -3551,13 +3749,20 @@
     </p:spTree>
     <p:extLst>
       <p:ext uri="{BB962C8B-B14F-4D97-AF65-F5344CB8AC3E}">
-        <p14:creationId xmlns:p14="http://schemas.microsoft.com/office/powerpoint/2010/main" val="2116331640"/>
+        <p14:creationId xmlns:p14="http://schemas.microsoft.com/office/powerpoint/2010/main" val="4186794623"/>
       </p:ext>
     </p:extLst>
   </p:cSld>
   <p:clrMapOvr>
     <a:masterClrMapping/>
   </p:clrMapOvr>
+  <p:timing>
+    <p:tnLst>
+      <p:par>
+        <p:cTn id="1" dur="indefinite" restart="never" nodeType="tmRoot"/>
+      </p:par>
+    </p:tnLst>
+  </p:timing>
 </p:sld>
 </file>
 
@@ -3603,6 +3808,163 @@
           <a:p>
             <a:r>
               <a:rPr lang="pt-PT" dirty="0" smtClean="0"/>
+              <a:t>Interface</a:t>
+            </a:r>
+            <a:endParaRPr lang="pt-PT" dirty="0"/>
+          </a:p>
+        </p:txBody>
+      </p:sp>
+      <p:pic>
+        <p:nvPicPr>
+          <p:cNvPr id="4" name="Content Placeholder 3"/>
+          <p:cNvPicPr>
+            <a:picLocks noGrp="1" noChangeAspect="1"/>
+          </p:cNvPicPr>
+          <p:nvPr>
+            <p:ph idx="1"/>
+          </p:nvPr>
+        </p:nvPicPr>
+        <p:blipFill>
+          <a:blip r:embed="rId2">
+            <a:extLst>
+              <a:ext uri="{28A0092B-C50C-407E-A947-70E740481C1C}">
+                <a14:useLocalDpi xmlns:a14="http://schemas.microsoft.com/office/drawing/2010/main" val="0"/>
+              </a:ext>
+            </a:extLst>
+          </a:blip>
+          <a:stretch>
+            <a:fillRect/>
+          </a:stretch>
+        </p:blipFill>
+        <p:spPr>
+          <a:xfrm>
+            <a:off x="3413771" y="284941"/>
+            <a:ext cx="5364458" cy="2811493"/>
+          </a:xfrm>
+        </p:spPr>
+      </p:pic>
+      <p:pic>
+        <p:nvPicPr>
+          <p:cNvPr id="6" name="Picture 5"/>
+          <p:cNvPicPr>
+            <a:picLocks noChangeAspect="1"/>
+          </p:cNvPicPr>
+          <p:nvPr/>
+        </p:nvPicPr>
+        <p:blipFill>
+          <a:blip r:embed="rId3">
+            <a:extLst>
+              <a:ext uri="{28A0092B-C50C-407E-A947-70E740481C1C}">
+                <a14:useLocalDpi xmlns:a14="http://schemas.microsoft.com/office/drawing/2010/main" val="0"/>
+              </a:ext>
+            </a:extLst>
+          </a:blip>
+          <a:stretch>
+            <a:fillRect/>
+          </a:stretch>
+        </p:blipFill>
+        <p:spPr>
+          <a:xfrm>
+            <a:off x="6096000" y="3176618"/>
+            <a:ext cx="5757253" cy="3511835"/>
+          </a:xfrm>
+          <a:prstGeom prst="rect">
+            <a:avLst/>
+          </a:prstGeom>
+        </p:spPr>
+      </p:pic>
+      <p:pic>
+        <p:nvPicPr>
+          <p:cNvPr id="7" name="Picture 6"/>
+          <p:cNvPicPr>
+            <a:picLocks noChangeAspect="1"/>
+          </p:cNvPicPr>
+          <p:nvPr/>
+        </p:nvPicPr>
+        <p:blipFill>
+          <a:blip r:embed="rId4">
+            <a:extLst>
+              <a:ext uri="{28A0092B-C50C-407E-A947-70E740481C1C}">
+                <a14:useLocalDpi xmlns:a14="http://schemas.microsoft.com/office/drawing/2010/main" val="0"/>
+              </a:ext>
+            </a:extLst>
+          </a:blip>
+          <a:stretch>
+            <a:fillRect/>
+          </a:stretch>
+        </p:blipFill>
+        <p:spPr>
+          <a:xfrm>
+            <a:off x="72488" y="3176618"/>
+            <a:ext cx="5742169" cy="3501103"/>
+          </a:xfrm>
+          <a:prstGeom prst="rect">
+            <a:avLst/>
+          </a:prstGeom>
+        </p:spPr>
+      </p:pic>
+    </p:spTree>
+    <p:extLst>
+      <p:ext uri="{BB962C8B-B14F-4D97-AF65-F5344CB8AC3E}">
+        <p14:creationId xmlns:p14="http://schemas.microsoft.com/office/powerpoint/2010/main" val="2116331640"/>
+      </p:ext>
+    </p:extLst>
+  </p:cSld>
+  <p:clrMapOvr>
+    <a:masterClrMapping/>
+  </p:clrMapOvr>
+  <p:timing>
+    <p:tnLst>
+      <p:par>
+        <p:cTn id="1" dur="indefinite" restart="never" nodeType="tmRoot"/>
+      </p:par>
+    </p:tnLst>
+  </p:timing>
+</p:sld>
+</file>
+
+<file path=ppt/slides/slide9.xml><?xml version="1.0" encoding="utf-8"?>
+<p:sld xmlns:a="http://schemas.openxmlformats.org/drawingml/2006/main" xmlns:r="http://schemas.openxmlformats.org/officeDocument/2006/relationships" xmlns:p="http://schemas.openxmlformats.org/presentationml/2006/main">
+  <p:cSld>
+    <p:bg>
+      <p:bgPr>
+        <a:solidFill>
+          <a:srgbClr val="5C2A08"/>
+        </a:solidFill>
+        <a:effectLst/>
+      </p:bgPr>
+    </p:bg>
+    <p:spTree>
+      <p:nvGrpSpPr>
+        <p:cNvPr id="1" name=""/>
+        <p:cNvGrpSpPr/>
+        <p:nvPr/>
+      </p:nvGrpSpPr>
+      <p:grpSpPr>
+        <a:xfrm>
+          <a:off x="0" y="0"/>
+          <a:ext cx="0" cy="0"/>
+          <a:chOff x="0" y="0"/>
+          <a:chExt cx="0" cy="0"/>
+        </a:xfrm>
+      </p:grpSpPr>
+      <p:sp>
+        <p:nvSpPr>
+          <p:cNvPr id="2" name="Title 1"/>
+          <p:cNvSpPr>
+            <a:spLocks noGrp="1"/>
+          </p:cNvSpPr>
+          <p:nvPr>
+            <p:ph type="title"/>
+          </p:nvPr>
+        </p:nvSpPr>
+        <p:spPr/>
+        <p:txBody>
+          <a:bodyPr/>
+          <a:lstStyle/>
+          <a:p>
+            <a:r>
+              <a:rPr lang="pt-PT" dirty="0" smtClean="0"/>
               <a:t>Ferramentas</a:t>
             </a:r>
             <a:r>
@@ -3632,7 +3994,34 @@
           <a:bodyPr/>
           <a:lstStyle/>
           <a:p>
-            <a:endParaRPr lang="pt-PT"/>
+            <a:r>
+              <a:rPr lang="pt-PT" dirty="0" err="1" smtClean="0"/>
+              <a:t>Sql</a:t>
+            </a:r>
+            <a:r>
+              <a:rPr lang="pt-PT" dirty="0" smtClean="0"/>
+              <a:t> Server 2012</a:t>
+            </a:r>
+          </a:p>
+          <a:p>
+            <a:r>
+              <a:rPr lang="pt-PT" dirty="0" smtClean="0"/>
+              <a:t>Visual </a:t>
+            </a:r>
+            <a:r>
+              <a:rPr lang="pt-PT" dirty="0" err="1" smtClean="0"/>
+              <a:t>Studio</a:t>
+            </a:r>
+            <a:r>
+              <a:rPr lang="pt-PT" dirty="0" smtClean="0"/>
+              <a:t> 2012</a:t>
+            </a:r>
+          </a:p>
+          <a:p>
+            <a:pPr marL="0" indent="0">
+              <a:buNone/>
+            </a:pPr>
+            <a:endParaRPr lang="pt-PT" dirty="0"/>
           </a:p>
         </p:txBody>
       </p:sp>
@@ -3646,6 +4035,13 @@
   <p:clrMapOvr>
     <a:masterClrMapping/>
   </p:clrMapOvr>
+  <p:timing>
+    <p:tnLst>
+      <p:par>
+        <p:cTn id="1" dur="indefinite" restart="never" nodeType="tmRoot"/>
+      </p:par>
+    </p:tnLst>
+  </p:timing>
 </p:sld>
 </file>
 
@@ -3908,4 +4304,47 @@
     </a:ext>
   </a:extLst>
 </a:theme>
+</file>
+
+<file path=ppt/theme/themeOverride1.xml><?xml version="1.0" encoding="utf-8"?>
+<a:themeOverride xmlns:a="http://schemas.openxmlformats.org/drawingml/2006/main">
+  <a:clrScheme name="Office">
+    <a:dk1>
+      <a:sysClr val="windowText" lastClr="000000"/>
+    </a:dk1>
+    <a:lt1>
+      <a:sysClr val="window" lastClr="FFFFFF"/>
+    </a:lt1>
+    <a:dk2>
+      <a:srgbClr val="44546A"/>
+    </a:dk2>
+    <a:lt2>
+      <a:srgbClr val="E7E6E6"/>
+    </a:lt2>
+    <a:accent1>
+      <a:srgbClr val="5B9BD5"/>
+    </a:accent1>
+    <a:accent2>
+      <a:srgbClr val="ED7D31"/>
+    </a:accent2>
+    <a:accent3>
+      <a:srgbClr val="A5A5A5"/>
+    </a:accent3>
+    <a:accent4>
+      <a:srgbClr val="FFC000"/>
+    </a:accent4>
+    <a:accent5>
+      <a:srgbClr val="4472C4"/>
+    </a:accent5>
+    <a:accent6>
+      <a:srgbClr val="70AD47"/>
+    </a:accent6>
+    <a:hlink>
+      <a:srgbClr val="0563C1"/>
+    </a:hlink>
+    <a:folHlink>
+      <a:srgbClr val="954F72"/>
+    </a:folHlink>
+  </a:clrScheme>
+</a:themeOverride>
 </file>